--- a/ppt 16-9/0627.只有干渴的人才.pptx
+++ b/ppt 16-9/0627.只有干渴的人才.pptx
@@ -129,7 +129,7 @@
           <p:cNvPr id="2" name="标题 1">
             <a:extLst>
               <a:ext uri="{FF2B5EF4-FFF2-40B4-BE49-F238E27FC236}">
-                <a16:creationId xmlns:a16="http://schemas.microsoft.com/office/drawing/2014/main" id="{81BC91F6-3451-7B25-3C81-0520E8EE7ED1}"/>
+                <a16:creationId xmlns:a16="http://schemas.microsoft.com/office/drawing/2014/main" id="{6E12F630-AFF1-C0EA-964E-697390E35DDE}"/>
               </a:ext>
             </a:extLst>
           </p:cNvPr>
@@ -166,7 +166,7 @@
           <p:cNvPr id="3" name="副标题 2">
             <a:extLst>
               <a:ext uri="{FF2B5EF4-FFF2-40B4-BE49-F238E27FC236}">
-                <a16:creationId xmlns:a16="http://schemas.microsoft.com/office/drawing/2014/main" id="{42225832-FADE-D3F8-DE48-B48268DAEFC4}"/>
+                <a16:creationId xmlns:a16="http://schemas.microsoft.com/office/drawing/2014/main" id="{AE71308D-FADC-7A53-7E59-409697821DE8}"/>
               </a:ext>
             </a:extLst>
           </p:cNvPr>
@@ -236,7 +236,7 @@
           <p:cNvPr id="4" name="日期占位符 3">
             <a:extLst>
               <a:ext uri="{FF2B5EF4-FFF2-40B4-BE49-F238E27FC236}">
-                <a16:creationId xmlns:a16="http://schemas.microsoft.com/office/drawing/2014/main" id="{572D20C0-1155-AD58-C074-B10E4722B90B}"/>
+                <a16:creationId xmlns:a16="http://schemas.microsoft.com/office/drawing/2014/main" id="{4A297079-FF19-0855-83F7-FF9D4047909F}"/>
               </a:ext>
             </a:extLst>
           </p:cNvPr>
@@ -252,7 +252,7 @@
           <a:bodyPr/>
           <a:lstStyle/>
           <a:p>
-            <a:fld id="{9E34FEC8-9185-41C4-98D2-484301FDFF1D}" type="datetimeFigureOut">
+            <a:fld id="{5C598AA2-E2DE-420F-A88F-09C219BB59EB}" type="datetimeFigureOut">
               <a:rPr lang="zh-CN" altLang="en-US" smtClean="0"/>
               <a:t>2024/3/10</a:t>
             </a:fld>
@@ -265,7 +265,7 @@
           <p:cNvPr id="5" name="页脚占位符 4">
             <a:extLst>
               <a:ext uri="{FF2B5EF4-FFF2-40B4-BE49-F238E27FC236}">
-                <a16:creationId xmlns:a16="http://schemas.microsoft.com/office/drawing/2014/main" id="{5605F805-351E-E208-0B49-93F075F6A098}"/>
+                <a16:creationId xmlns:a16="http://schemas.microsoft.com/office/drawing/2014/main" id="{E76F14BA-9690-1DE6-8803-5AD10CBC2EA2}"/>
               </a:ext>
             </a:extLst>
           </p:cNvPr>
@@ -290,7 +290,7 @@
           <p:cNvPr id="6" name="灯片编号占位符 5">
             <a:extLst>
               <a:ext uri="{FF2B5EF4-FFF2-40B4-BE49-F238E27FC236}">
-                <a16:creationId xmlns:a16="http://schemas.microsoft.com/office/drawing/2014/main" id="{F4C90C55-5269-C661-155B-FA8CBE709F58}"/>
+                <a16:creationId xmlns:a16="http://schemas.microsoft.com/office/drawing/2014/main" id="{6AB6FEB6-BE8F-9DEB-F2AF-52BC0D0C7AA6}"/>
               </a:ext>
             </a:extLst>
           </p:cNvPr>
@@ -306,7 +306,7 @@
           <a:bodyPr/>
           <a:lstStyle/>
           <a:p>
-            <a:fld id="{22F37805-D670-4232-B9F2-9212F54504D9}" type="slidenum">
+            <a:fld id="{1B4341E4-FC71-499B-B8D4-87150F51B8E2}" type="slidenum">
               <a:rPr lang="zh-CN" altLang="en-US" smtClean="0"/>
               <a:t>‹#›</a:t>
             </a:fld>
@@ -317,7 +317,7 @@
     </p:spTree>
     <p:extLst>
       <p:ext uri="{BB962C8B-B14F-4D97-AF65-F5344CB8AC3E}">
-        <p14:creationId xmlns:p14="http://schemas.microsoft.com/office/powerpoint/2010/main" val="321653511"/>
+        <p14:creationId xmlns:p14="http://schemas.microsoft.com/office/powerpoint/2010/main" val="1841029329"/>
       </p:ext>
     </p:extLst>
   </p:cSld>
@@ -349,7 +349,7 @@
           <p:cNvPr id="2" name="标题 1">
             <a:extLst>
               <a:ext uri="{FF2B5EF4-FFF2-40B4-BE49-F238E27FC236}">
-                <a16:creationId xmlns:a16="http://schemas.microsoft.com/office/drawing/2014/main" id="{838B1583-A799-B967-3D63-30DB75D53AFF}"/>
+                <a16:creationId xmlns:a16="http://schemas.microsoft.com/office/drawing/2014/main" id="{DCF0FE7C-7484-510C-8236-91F6B24D9F81}"/>
               </a:ext>
             </a:extLst>
           </p:cNvPr>
@@ -377,7 +377,7 @@
           <p:cNvPr id="3" name="竖排文字占位符 2">
             <a:extLst>
               <a:ext uri="{FF2B5EF4-FFF2-40B4-BE49-F238E27FC236}">
-                <a16:creationId xmlns:a16="http://schemas.microsoft.com/office/drawing/2014/main" id="{F46AB8A0-8217-E9D7-CBD8-3959D911D4FB}"/>
+                <a16:creationId xmlns:a16="http://schemas.microsoft.com/office/drawing/2014/main" id="{C39648D2-7AC4-E193-D717-0C58CC5E2226}"/>
               </a:ext>
             </a:extLst>
           </p:cNvPr>
@@ -434,7 +434,7 @@
           <p:cNvPr id="4" name="日期占位符 3">
             <a:extLst>
               <a:ext uri="{FF2B5EF4-FFF2-40B4-BE49-F238E27FC236}">
-                <a16:creationId xmlns:a16="http://schemas.microsoft.com/office/drawing/2014/main" id="{871CF713-A4BC-DB5C-6202-5520357777F5}"/>
+                <a16:creationId xmlns:a16="http://schemas.microsoft.com/office/drawing/2014/main" id="{446FFFCE-60D3-204D-6D37-A9595479D117}"/>
               </a:ext>
             </a:extLst>
           </p:cNvPr>
@@ -450,7 +450,7 @@
           <a:bodyPr/>
           <a:lstStyle/>
           <a:p>
-            <a:fld id="{9E34FEC8-9185-41C4-98D2-484301FDFF1D}" type="datetimeFigureOut">
+            <a:fld id="{5C598AA2-E2DE-420F-A88F-09C219BB59EB}" type="datetimeFigureOut">
               <a:rPr lang="zh-CN" altLang="en-US" smtClean="0"/>
               <a:t>2024/3/10</a:t>
             </a:fld>
@@ -463,7 +463,7 @@
           <p:cNvPr id="5" name="页脚占位符 4">
             <a:extLst>
               <a:ext uri="{FF2B5EF4-FFF2-40B4-BE49-F238E27FC236}">
-                <a16:creationId xmlns:a16="http://schemas.microsoft.com/office/drawing/2014/main" id="{5D748B60-54F4-3938-F9CE-7576E7589B87}"/>
+                <a16:creationId xmlns:a16="http://schemas.microsoft.com/office/drawing/2014/main" id="{556B74E8-EE3A-7BDD-60B0-2DE7ECEF0D74}"/>
               </a:ext>
             </a:extLst>
           </p:cNvPr>
@@ -488,7 +488,7 @@
           <p:cNvPr id="6" name="灯片编号占位符 5">
             <a:extLst>
               <a:ext uri="{FF2B5EF4-FFF2-40B4-BE49-F238E27FC236}">
-                <a16:creationId xmlns:a16="http://schemas.microsoft.com/office/drawing/2014/main" id="{5EC70228-58D4-A01A-D5FC-E24C74F0E1D1}"/>
+                <a16:creationId xmlns:a16="http://schemas.microsoft.com/office/drawing/2014/main" id="{A9BA68B5-EDDF-0C4C-D34D-DBC76F25D548}"/>
               </a:ext>
             </a:extLst>
           </p:cNvPr>
@@ -504,7 +504,7 @@
           <a:bodyPr/>
           <a:lstStyle/>
           <a:p>
-            <a:fld id="{22F37805-D670-4232-B9F2-9212F54504D9}" type="slidenum">
+            <a:fld id="{1B4341E4-FC71-499B-B8D4-87150F51B8E2}" type="slidenum">
               <a:rPr lang="zh-CN" altLang="en-US" smtClean="0"/>
               <a:t>‹#›</a:t>
             </a:fld>
@@ -515,7 +515,7 @@
     </p:spTree>
     <p:extLst>
       <p:ext uri="{BB962C8B-B14F-4D97-AF65-F5344CB8AC3E}">
-        <p14:creationId xmlns:p14="http://schemas.microsoft.com/office/powerpoint/2010/main" val="1675036672"/>
+        <p14:creationId xmlns:p14="http://schemas.microsoft.com/office/powerpoint/2010/main" val="1457552514"/>
       </p:ext>
     </p:extLst>
   </p:cSld>
@@ -547,7 +547,7 @@
           <p:cNvPr id="2" name="竖排标题 1">
             <a:extLst>
               <a:ext uri="{FF2B5EF4-FFF2-40B4-BE49-F238E27FC236}">
-                <a16:creationId xmlns:a16="http://schemas.microsoft.com/office/drawing/2014/main" id="{D1816549-A698-A9CC-B889-880F1912EFB8}"/>
+                <a16:creationId xmlns:a16="http://schemas.microsoft.com/office/drawing/2014/main" id="{0C8D7735-1642-8752-EC4A-81107729EA86}"/>
               </a:ext>
             </a:extLst>
           </p:cNvPr>
@@ -580,7 +580,7 @@
           <p:cNvPr id="3" name="竖排文字占位符 2">
             <a:extLst>
               <a:ext uri="{FF2B5EF4-FFF2-40B4-BE49-F238E27FC236}">
-                <a16:creationId xmlns:a16="http://schemas.microsoft.com/office/drawing/2014/main" id="{E0E33905-0D1B-3FA8-DFD8-635582303A00}"/>
+                <a16:creationId xmlns:a16="http://schemas.microsoft.com/office/drawing/2014/main" id="{0CF22D2D-9167-33AB-6862-50C31708273D}"/>
               </a:ext>
             </a:extLst>
           </p:cNvPr>
@@ -642,7 +642,7 @@
           <p:cNvPr id="4" name="日期占位符 3">
             <a:extLst>
               <a:ext uri="{FF2B5EF4-FFF2-40B4-BE49-F238E27FC236}">
-                <a16:creationId xmlns:a16="http://schemas.microsoft.com/office/drawing/2014/main" id="{9D6605DB-A2B4-D7C9-3427-5FAC95DA2688}"/>
+                <a16:creationId xmlns:a16="http://schemas.microsoft.com/office/drawing/2014/main" id="{BF6ADE57-E5B7-1608-1E5B-4A843F3F4048}"/>
               </a:ext>
             </a:extLst>
           </p:cNvPr>
@@ -658,7 +658,7 @@
           <a:bodyPr/>
           <a:lstStyle/>
           <a:p>
-            <a:fld id="{9E34FEC8-9185-41C4-98D2-484301FDFF1D}" type="datetimeFigureOut">
+            <a:fld id="{5C598AA2-E2DE-420F-A88F-09C219BB59EB}" type="datetimeFigureOut">
               <a:rPr lang="zh-CN" altLang="en-US" smtClean="0"/>
               <a:t>2024/3/10</a:t>
             </a:fld>
@@ -671,7 +671,7 @@
           <p:cNvPr id="5" name="页脚占位符 4">
             <a:extLst>
               <a:ext uri="{FF2B5EF4-FFF2-40B4-BE49-F238E27FC236}">
-                <a16:creationId xmlns:a16="http://schemas.microsoft.com/office/drawing/2014/main" id="{50110C2F-B2A2-2D9E-B97D-EC2336DA6965}"/>
+                <a16:creationId xmlns:a16="http://schemas.microsoft.com/office/drawing/2014/main" id="{CBAE45CE-251D-AFE3-0D6E-D9780F421EC7}"/>
               </a:ext>
             </a:extLst>
           </p:cNvPr>
@@ -696,7 +696,7 @@
           <p:cNvPr id="6" name="灯片编号占位符 5">
             <a:extLst>
               <a:ext uri="{FF2B5EF4-FFF2-40B4-BE49-F238E27FC236}">
-                <a16:creationId xmlns:a16="http://schemas.microsoft.com/office/drawing/2014/main" id="{36AE7BD3-C2F8-BDFF-FC0C-1D63531F8223}"/>
+                <a16:creationId xmlns:a16="http://schemas.microsoft.com/office/drawing/2014/main" id="{C4231AFB-2EBD-29C4-23B9-E119BB397739}"/>
               </a:ext>
             </a:extLst>
           </p:cNvPr>
@@ -712,7 +712,7 @@
           <a:bodyPr/>
           <a:lstStyle/>
           <a:p>
-            <a:fld id="{22F37805-D670-4232-B9F2-9212F54504D9}" type="slidenum">
+            <a:fld id="{1B4341E4-FC71-499B-B8D4-87150F51B8E2}" type="slidenum">
               <a:rPr lang="zh-CN" altLang="en-US" smtClean="0"/>
               <a:t>‹#›</a:t>
             </a:fld>
@@ -723,7 +723,7 @@
     </p:spTree>
     <p:extLst>
       <p:ext uri="{BB962C8B-B14F-4D97-AF65-F5344CB8AC3E}">
-        <p14:creationId xmlns:p14="http://schemas.microsoft.com/office/powerpoint/2010/main" val="549102968"/>
+        <p14:creationId xmlns:p14="http://schemas.microsoft.com/office/powerpoint/2010/main" val="1428555474"/>
       </p:ext>
     </p:extLst>
   </p:cSld>
@@ -755,7 +755,7 @@
           <p:cNvPr id="2" name="标题 1">
             <a:extLst>
               <a:ext uri="{FF2B5EF4-FFF2-40B4-BE49-F238E27FC236}">
-                <a16:creationId xmlns:a16="http://schemas.microsoft.com/office/drawing/2014/main" id="{E951AEA3-1527-3E04-8409-9D7CBC900E1F}"/>
+                <a16:creationId xmlns:a16="http://schemas.microsoft.com/office/drawing/2014/main" id="{4740A584-A75D-998C-DC25-8EA8D28C4BFE}"/>
               </a:ext>
             </a:extLst>
           </p:cNvPr>
@@ -783,7 +783,7 @@
           <p:cNvPr id="3" name="内容占位符 2">
             <a:extLst>
               <a:ext uri="{FF2B5EF4-FFF2-40B4-BE49-F238E27FC236}">
-                <a16:creationId xmlns:a16="http://schemas.microsoft.com/office/drawing/2014/main" id="{FEC7078F-E52D-1D7F-CC18-5EA14F0ABFA8}"/>
+                <a16:creationId xmlns:a16="http://schemas.microsoft.com/office/drawing/2014/main" id="{9C9D1E6F-8D7E-FDCB-4979-FCCFDFCE93C4}"/>
               </a:ext>
             </a:extLst>
           </p:cNvPr>
@@ -840,7 +840,7 @@
           <p:cNvPr id="4" name="日期占位符 3">
             <a:extLst>
               <a:ext uri="{FF2B5EF4-FFF2-40B4-BE49-F238E27FC236}">
-                <a16:creationId xmlns:a16="http://schemas.microsoft.com/office/drawing/2014/main" id="{98552EBB-4B19-F9CC-45DB-BB684346623E}"/>
+                <a16:creationId xmlns:a16="http://schemas.microsoft.com/office/drawing/2014/main" id="{E5A55D5D-3910-F3A4-A0F6-DC019D07911F}"/>
               </a:ext>
             </a:extLst>
           </p:cNvPr>
@@ -856,7 +856,7 @@
           <a:bodyPr/>
           <a:lstStyle/>
           <a:p>
-            <a:fld id="{9E34FEC8-9185-41C4-98D2-484301FDFF1D}" type="datetimeFigureOut">
+            <a:fld id="{5C598AA2-E2DE-420F-A88F-09C219BB59EB}" type="datetimeFigureOut">
               <a:rPr lang="zh-CN" altLang="en-US" smtClean="0"/>
               <a:t>2024/3/10</a:t>
             </a:fld>
@@ -869,7 +869,7 @@
           <p:cNvPr id="5" name="页脚占位符 4">
             <a:extLst>
               <a:ext uri="{FF2B5EF4-FFF2-40B4-BE49-F238E27FC236}">
-                <a16:creationId xmlns:a16="http://schemas.microsoft.com/office/drawing/2014/main" id="{B4CCFC71-4A5F-B01B-11F0-1B8F4FD719A5}"/>
+                <a16:creationId xmlns:a16="http://schemas.microsoft.com/office/drawing/2014/main" id="{6833C863-CA63-9BCF-A481-8EB7BCB47902}"/>
               </a:ext>
             </a:extLst>
           </p:cNvPr>
@@ -894,7 +894,7 @@
           <p:cNvPr id="6" name="灯片编号占位符 5">
             <a:extLst>
               <a:ext uri="{FF2B5EF4-FFF2-40B4-BE49-F238E27FC236}">
-                <a16:creationId xmlns:a16="http://schemas.microsoft.com/office/drawing/2014/main" id="{9D5CAFF9-AA50-FA2D-E30B-0C68DF510174}"/>
+                <a16:creationId xmlns:a16="http://schemas.microsoft.com/office/drawing/2014/main" id="{53AEC0C3-F5E6-9C36-CDAE-0B9A4EFEECA2}"/>
               </a:ext>
             </a:extLst>
           </p:cNvPr>
@@ -910,7 +910,7 @@
           <a:bodyPr/>
           <a:lstStyle/>
           <a:p>
-            <a:fld id="{22F37805-D670-4232-B9F2-9212F54504D9}" type="slidenum">
+            <a:fld id="{1B4341E4-FC71-499B-B8D4-87150F51B8E2}" type="slidenum">
               <a:rPr lang="zh-CN" altLang="en-US" smtClean="0"/>
               <a:t>‹#›</a:t>
             </a:fld>
@@ -921,7 +921,7 @@
     </p:spTree>
     <p:extLst>
       <p:ext uri="{BB962C8B-B14F-4D97-AF65-F5344CB8AC3E}">
-        <p14:creationId xmlns:p14="http://schemas.microsoft.com/office/powerpoint/2010/main" val="1467019097"/>
+        <p14:creationId xmlns:p14="http://schemas.microsoft.com/office/powerpoint/2010/main" val="3402243424"/>
       </p:ext>
     </p:extLst>
   </p:cSld>
@@ -953,7 +953,7 @@
           <p:cNvPr id="2" name="标题 1">
             <a:extLst>
               <a:ext uri="{FF2B5EF4-FFF2-40B4-BE49-F238E27FC236}">
-                <a16:creationId xmlns:a16="http://schemas.microsoft.com/office/drawing/2014/main" id="{41995D84-687F-2CCD-6B77-5D7C919D4909}"/>
+                <a16:creationId xmlns:a16="http://schemas.microsoft.com/office/drawing/2014/main" id="{D8E5721D-D73A-B877-B6C4-4C644771CE4B}"/>
               </a:ext>
             </a:extLst>
           </p:cNvPr>
@@ -990,7 +990,7 @@
           <p:cNvPr id="3" name="文本占位符 2">
             <a:extLst>
               <a:ext uri="{FF2B5EF4-FFF2-40B4-BE49-F238E27FC236}">
-                <a16:creationId xmlns:a16="http://schemas.microsoft.com/office/drawing/2014/main" id="{CE01F2BE-3C3D-7114-E5FB-FAE4E18FA0E4}"/>
+                <a16:creationId xmlns:a16="http://schemas.microsoft.com/office/drawing/2014/main" id="{581C1924-FC7E-D38A-48B6-1A6C5989B83C}"/>
               </a:ext>
             </a:extLst>
           </p:cNvPr>
@@ -1115,7 +1115,7 @@
           <p:cNvPr id="4" name="日期占位符 3">
             <a:extLst>
               <a:ext uri="{FF2B5EF4-FFF2-40B4-BE49-F238E27FC236}">
-                <a16:creationId xmlns:a16="http://schemas.microsoft.com/office/drawing/2014/main" id="{1E1BDB33-E748-3ED2-1858-D2C31CE82AEB}"/>
+                <a16:creationId xmlns:a16="http://schemas.microsoft.com/office/drawing/2014/main" id="{C909D2B7-94DC-4C0E-21C0-DEAC8768B36C}"/>
               </a:ext>
             </a:extLst>
           </p:cNvPr>
@@ -1131,7 +1131,7 @@
           <a:bodyPr/>
           <a:lstStyle/>
           <a:p>
-            <a:fld id="{9E34FEC8-9185-41C4-98D2-484301FDFF1D}" type="datetimeFigureOut">
+            <a:fld id="{5C598AA2-E2DE-420F-A88F-09C219BB59EB}" type="datetimeFigureOut">
               <a:rPr lang="zh-CN" altLang="en-US" smtClean="0"/>
               <a:t>2024/3/10</a:t>
             </a:fld>
@@ -1144,7 +1144,7 @@
           <p:cNvPr id="5" name="页脚占位符 4">
             <a:extLst>
               <a:ext uri="{FF2B5EF4-FFF2-40B4-BE49-F238E27FC236}">
-                <a16:creationId xmlns:a16="http://schemas.microsoft.com/office/drawing/2014/main" id="{74F51394-5B81-8F1B-68A6-A57894C027AF}"/>
+                <a16:creationId xmlns:a16="http://schemas.microsoft.com/office/drawing/2014/main" id="{2DB2BDD9-51C4-2E10-BDBC-5ACABF231248}"/>
               </a:ext>
             </a:extLst>
           </p:cNvPr>
@@ -1169,7 +1169,7 @@
           <p:cNvPr id="6" name="灯片编号占位符 5">
             <a:extLst>
               <a:ext uri="{FF2B5EF4-FFF2-40B4-BE49-F238E27FC236}">
-                <a16:creationId xmlns:a16="http://schemas.microsoft.com/office/drawing/2014/main" id="{10C56EA5-91CF-7A7D-F1AF-605139460B6A}"/>
+                <a16:creationId xmlns:a16="http://schemas.microsoft.com/office/drawing/2014/main" id="{3DF42A28-1FB8-933A-3201-ED45D88A2C65}"/>
               </a:ext>
             </a:extLst>
           </p:cNvPr>
@@ -1185,7 +1185,7 @@
           <a:bodyPr/>
           <a:lstStyle/>
           <a:p>
-            <a:fld id="{22F37805-D670-4232-B9F2-9212F54504D9}" type="slidenum">
+            <a:fld id="{1B4341E4-FC71-499B-B8D4-87150F51B8E2}" type="slidenum">
               <a:rPr lang="zh-CN" altLang="en-US" smtClean="0"/>
               <a:t>‹#›</a:t>
             </a:fld>
@@ -1196,7 +1196,7 @@
     </p:spTree>
     <p:extLst>
       <p:ext uri="{BB962C8B-B14F-4D97-AF65-F5344CB8AC3E}">
-        <p14:creationId xmlns:p14="http://schemas.microsoft.com/office/powerpoint/2010/main" val="1252505266"/>
+        <p14:creationId xmlns:p14="http://schemas.microsoft.com/office/powerpoint/2010/main" val="902477632"/>
       </p:ext>
     </p:extLst>
   </p:cSld>
@@ -1228,7 +1228,7 @@
           <p:cNvPr id="2" name="标题 1">
             <a:extLst>
               <a:ext uri="{FF2B5EF4-FFF2-40B4-BE49-F238E27FC236}">
-                <a16:creationId xmlns:a16="http://schemas.microsoft.com/office/drawing/2014/main" id="{90D4FAAD-50F3-2643-04E6-C1DD4DE1BB17}"/>
+                <a16:creationId xmlns:a16="http://schemas.microsoft.com/office/drawing/2014/main" id="{1EBF3CA6-B458-5BAB-8A80-993C3BA3307D}"/>
               </a:ext>
             </a:extLst>
           </p:cNvPr>
@@ -1256,7 +1256,7 @@
           <p:cNvPr id="3" name="内容占位符 2">
             <a:extLst>
               <a:ext uri="{FF2B5EF4-FFF2-40B4-BE49-F238E27FC236}">
-                <a16:creationId xmlns:a16="http://schemas.microsoft.com/office/drawing/2014/main" id="{56F081CD-6787-AEC0-6C85-3D7B61D23F25}"/>
+                <a16:creationId xmlns:a16="http://schemas.microsoft.com/office/drawing/2014/main" id="{016464EE-5AB6-DF53-1882-AF6F175B706E}"/>
               </a:ext>
             </a:extLst>
           </p:cNvPr>
@@ -1318,7 +1318,7 @@
           <p:cNvPr id="4" name="内容占位符 3">
             <a:extLst>
               <a:ext uri="{FF2B5EF4-FFF2-40B4-BE49-F238E27FC236}">
-                <a16:creationId xmlns:a16="http://schemas.microsoft.com/office/drawing/2014/main" id="{0667910E-D3D5-A10F-4DF6-916B39298B02}"/>
+                <a16:creationId xmlns:a16="http://schemas.microsoft.com/office/drawing/2014/main" id="{6277B9BF-20A9-592E-FB8F-BAE043D253A4}"/>
               </a:ext>
             </a:extLst>
           </p:cNvPr>
@@ -1380,7 +1380,7 @@
           <p:cNvPr id="5" name="日期占位符 4">
             <a:extLst>
               <a:ext uri="{FF2B5EF4-FFF2-40B4-BE49-F238E27FC236}">
-                <a16:creationId xmlns:a16="http://schemas.microsoft.com/office/drawing/2014/main" id="{D5BFC530-ECAD-C5A0-A499-7081FAFFEDEE}"/>
+                <a16:creationId xmlns:a16="http://schemas.microsoft.com/office/drawing/2014/main" id="{FAEAA4F3-8E5B-1AF1-8B14-25D13B9ADBCC}"/>
               </a:ext>
             </a:extLst>
           </p:cNvPr>
@@ -1396,7 +1396,7 @@
           <a:bodyPr/>
           <a:lstStyle/>
           <a:p>
-            <a:fld id="{9E34FEC8-9185-41C4-98D2-484301FDFF1D}" type="datetimeFigureOut">
+            <a:fld id="{5C598AA2-E2DE-420F-A88F-09C219BB59EB}" type="datetimeFigureOut">
               <a:rPr lang="zh-CN" altLang="en-US" smtClean="0"/>
               <a:t>2024/3/10</a:t>
             </a:fld>
@@ -1409,7 +1409,7 @@
           <p:cNvPr id="6" name="页脚占位符 5">
             <a:extLst>
               <a:ext uri="{FF2B5EF4-FFF2-40B4-BE49-F238E27FC236}">
-                <a16:creationId xmlns:a16="http://schemas.microsoft.com/office/drawing/2014/main" id="{9BA2ADCD-4C8E-E900-774B-0E97A9360B8D}"/>
+                <a16:creationId xmlns:a16="http://schemas.microsoft.com/office/drawing/2014/main" id="{06A18685-9605-1859-4AEA-88EA5D059D5A}"/>
               </a:ext>
             </a:extLst>
           </p:cNvPr>
@@ -1434,7 +1434,7 @@
           <p:cNvPr id="7" name="灯片编号占位符 6">
             <a:extLst>
               <a:ext uri="{FF2B5EF4-FFF2-40B4-BE49-F238E27FC236}">
-                <a16:creationId xmlns:a16="http://schemas.microsoft.com/office/drawing/2014/main" id="{742B1ADE-E8BF-EF03-66FC-3C01DF5279ED}"/>
+                <a16:creationId xmlns:a16="http://schemas.microsoft.com/office/drawing/2014/main" id="{9F336FD2-36D2-8107-CA54-6E83E3B95D81}"/>
               </a:ext>
             </a:extLst>
           </p:cNvPr>
@@ -1450,7 +1450,7 @@
           <a:bodyPr/>
           <a:lstStyle/>
           <a:p>
-            <a:fld id="{22F37805-D670-4232-B9F2-9212F54504D9}" type="slidenum">
+            <a:fld id="{1B4341E4-FC71-499B-B8D4-87150F51B8E2}" type="slidenum">
               <a:rPr lang="zh-CN" altLang="en-US" smtClean="0"/>
               <a:t>‹#›</a:t>
             </a:fld>
@@ -1461,7 +1461,7 @@
     </p:spTree>
     <p:extLst>
       <p:ext uri="{BB962C8B-B14F-4D97-AF65-F5344CB8AC3E}">
-        <p14:creationId xmlns:p14="http://schemas.microsoft.com/office/powerpoint/2010/main" val="1156918583"/>
+        <p14:creationId xmlns:p14="http://schemas.microsoft.com/office/powerpoint/2010/main" val="1196689461"/>
       </p:ext>
     </p:extLst>
   </p:cSld>
@@ -1493,7 +1493,7 @@
           <p:cNvPr id="2" name="标题 1">
             <a:extLst>
               <a:ext uri="{FF2B5EF4-FFF2-40B4-BE49-F238E27FC236}">
-                <a16:creationId xmlns:a16="http://schemas.microsoft.com/office/drawing/2014/main" id="{6372D865-B3F3-48A9-0723-FE482B428E37}"/>
+                <a16:creationId xmlns:a16="http://schemas.microsoft.com/office/drawing/2014/main" id="{0F4C958E-632D-4079-A303-E1B5D2BB6B17}"/>
               </a:ext>
             </a:extLst>
           </p:cNvPr>
@@ -1526,7 +1526,7 @@
           <p:cNvPr id="3" name="文本占位符 2">
             <a:extLst>
               <a:ext uri="{FF2B5EF4-FFF2-40B4-BE49-F238E27FC236}">
-                <a16:creationId xmlns:a16="http://schemas.microsoft.com/office/drawing/2014/main" id="{17F22113-97EB-2DB8-260A-168A0B89624D}"/>
+                <a16:creationId xmlns:a16="http://schemas.microsoft.com/office/drawing/2014/main" id="{D25A8EC0-360E-875F-CE3B-F89FCCDB8EAD}"/>
               </a:ext>
             </a:extLst>
           </p:cNvPr>
@@ -1597,7 +1597,7 @@
           <p:cNvPr id="4" name="内容占位符 3">
             <a:extLst>
               <a:ext uri="{FF2B5EF4-FFF2-40B4-BE49-F238E27FC236}">
-                <a16:creationId xmlns:a16="http://schemas.microsoft.com/office/drawing/2014/main" id="{C9BD36FD-383F-89F1-6133-7E654684819C}"/>
+                <a16:creationId xmlns:a16="http://schemas.microsoft.com/office/drawing/2014/main" id="{62D464D7-57F9-4646-3186-B9FB814BC289}"/>
               </a:ext>
             </a:extLst>
           </p:cNvPr>
@@ -1659,7 +1659,7 @@
           <p:cNvPr id="5" name="文本占位符 4">
             <a:extLst>
               <a:ext uri="{FF2B5EF4-FFF2-40B4-BE49-F238E27FC236}">
-                <a16:creationId xmlns:a16="http://schemas.microsoft.com/office/drawing/2014/main" id="{553D986D-3CDD-30EC-9101-A6928803907C}"/>
+                <a16:creationId xmlns:a16="http://schemas.microsoft.com/office/drawing/2014/main" id="{476E8678-0887-0ED6-2100-DFB303DA44AF}"/>
               </a:ext>
             </a:extLst>
           </p:cNvPr>
@@ -1730,7 +1730,7 @@
           <p:cNvPr id="6" name="内容占位符 5">
             <a:extLst>
               <a:ext uri="{FF2B5EF4-FFF2-40B4-BE49-F238E27FC236}">
-                <a16:creationId xmlns:a16="http://schemas.microsoft.com/office/drawing/2014/main" id="{9A7C14C8-811D-5A54-717B-BB8198D21066}"/>
+                <a16:creationId xmlns:a16="http://schemas.microsoft.com/office/drawing/2014/main" id="{67866C69-77C0-912D-8F5B-ED552A7165AA}"/>
               </a:ext>
             </a:extLst>
           </p:cNvPr>
@@ -1792,7 +1792,7 @@
           <p:cNvPr id="7" name="日期占位符 6">
             <a:extLst>
               <a:ext uri="{FF2B5EF4-FFF2-40B4-BE49-F238E27FC236}">
-                <a16:creationId xmlns:a16="http://schemas.microsoft.com/office/drawing/2014/main" id="{105F79A2-E6BC-D985-C272-3BD10E97BBC4}"/>
+                <a16:creationId xmlns:a16="http://schemas.microsoft.com/office/drawing/2014/main" id="{68562262-5833-2599-77B5-49B2EB86C1AC}"/>
               </a:ext>
             </a:extLst>
           </p:cNvPr>
@@ -1808,7 +1808,7 @@
           <a:bodyPr/>
           <a:lstStyle/>
           <a:p>
-            <a:fld id="{9E34FEC8-9185-41C4-98D2-484301FDFF1D}" type="datetimeFigureOut">
+            <a:fld id="{5C598AA2-E2DE-420F-A88F-09C219BB59EB}" type="datetimeFigureOut">
               <a:rPr lang="zh-CN" altLang="en-US" smtClean="0"/>
               <a:t>2024/3/10</a:t>
             </a:fld>
@@ -1821,7 +1821,7 @@
           <p:cNvPr id="8" name="页脚占位符 7">
             <a:extLst>
               <a:ext uri="{FF2B5EF4-FFF2-40B4-BE49-F238E27FC236}">
-                <a16:creationId xmlns:a16="http://schemas.microsoft.com/office/drawing/2014/main" id="{3FE85637-6C64-4015-F390-713BFFD54E26}"/>
+                <a16:creationId xmlns:a16="http://schemas.microsoft.com/office/drawing/2014/main" id="{717FB393-E3C5-3951-55B4-A09137B9F50C}"/>
               </a:ext>
             </a:extLst>
           </p:cNvPr>
@@ -1846,7 +1846,7 @@
           <p:cNvPr id="9" name="灯片编号占位符 8">
             <a:extLst>
               <a:ext uri="{FF2B5EF4-FFF2-40B4-BE49-F238E27FC236}">
-                <a16:creationId xmlns:a16="http://schemas.microsoft.com/office/drawing/2014/main" id="{D6FA2500-BE56-1691-739B-F1E12916587A}"/>
+                <a16:creationId xmlns:a16="http://schemas.microsoft.com/office/drawing/2014/main" id="{C66317AB-A5BA-5BB2-43C0-CF60AAF966C9}"/>
               </a:ext>
             </a:extLst>
           </p:cNvPr>
@@ -1862,7 +1862,7 @@
           <a:bodyPr/>
           <a:lstStyle/>
           <a:p>
-            <a:fld id="{22F37805-D670-4232-B9F2-9212F54504D9}" type="slidenum">
+            <a:fld id="{1B4341E4-FC71-499B-B8D4-87150F51B8E2}" type="slidenum">
               <a:rPr lang="zh-CN" altLang="en-US" smtClean="0"/>
               <a:t>‹#›</a:t>
             </a:fld>
@@ -1873,7 +1873,7 @@
     </p:spTree>
     <p:extLst>
       <p:ext uri="{BB962C8B-B14F-4D97-AF65-F5344CB8AC3E}">
-        <p14:creationId xmlns:p14="http://schemas.microsoft.com/office/powerpoint/2010/main" val="3512488723"/>
+        <p14:creationId xmlns:p14="http://schemas.microsoft.com/office/powerpoint/2010/main" val="604697533"/>
       </p:ext>
     </p:extLst>
   </p:cSld>
@@ -1905,7 +1905,7 @@
           <p:cNvPr id="2" name="标题 1">
             <a:extLst>
               <a:ext uri="{FF2B5EF4-FFF2-40B4-BE49-F238E27FC236}">
-                <a16:creationId xmlns:a16="http://schemas.microsoft.com/office/drawing/2014/main" id="{373B009B-6DBA-D596-AE0C-422FD9A20A4E}"/>
+                <a16:creationId xmlns:a16="http://schemas.microsoft.com/office/drawing/2014/main" id="{DBE4C346-C6BE-190B-F897-C4D57DC8519C}"/>
               </a:ext>
             </a:extLst>
           </p:cNvPr>
@@ -1933,7 +1933,7 @@
           <p:cNvPr id="3" name="日期占位符 2">
             <a:extLst>
               <a:ext uri="{FF2B5EF4-FFF2-40B4-BE49-F238E27FC236}">
-                <a16:creationId xmlns:a16="http://schemas.microsoft.com/office/drawing/2014/main" id="{AA823CE4-58EC-6515-127A-3E486D23890D}"/>
+                <a16:creationId xmlns:a16="http://schemas.microsoft.com/office/drawing/2014/main" id="{032F78E8-0F42-855F-99D3-AE410B1E6EA3}"/>
               </a:ext>
             </a:extLst>
           </p:cNvPr>
@@ -1949,7 +1949,7 @@
           <a:bodyPr/>
           <a:lstStyle/>
           <a:p>
-            <a:fld id="{9E34FEC8-9185-41C4-98D2-484301FDFF1D}" type="datetimeFigureOut">
+            <a:fld id="{5C598AA2-E2DE-420F-A88F-09C219BB59EB}" type="datetimeFigureOut">
               <a:rPr lang="zh-CN" altLang="en-US" smtClean="0"/>
               <a:t>2024/3/10</a:t>
             </a:fld>
@@ -1962,7 +1962,7 @@
           <p:cNvPr id="4" name="页脚占位符 3">
             <a:extLst>
               <a:ext uri="{FF2B5EF4-FFF2-40B4-BE49-F238E27FC236}">
-                <a16:creationId xmlns:a16="http://schemas.microsoft.com/office/drawing/2014/main" id="{C52F7C47-999A-80F0-25B8-B5DD84353862}"/>
+                <a16:creationId xmlns:a16="http://schemas.microsoft.com/office/drawing/2014/main" id="{0BACA0EC-C71C-2088-BB8F-49C8D88C8295}"/>
               </a:ext>
             </a:extLst>
           </p:cNvPr>
@@ -1987,7 +1987,7 @@
           <p:cNvPr id="5" name="灯片编号占位符 4">
             <a:extLst>
               <a:ext uri="{FF2B5EF4-FFF2-40B4-BE49-F238E27FC236}">
-                <a16:creationId xmlns:a16="http://schemas.microsoft.com/office/drawing/2014/main" id="{052B854B-DAFA-282B-E5D5-3D91E961DE41}"/>
+                <a16:creationId xmlns:a16="http://schemas.microsoft.com/office/drawing/2014/main" id="{02654B66-6109-A586-44F4-63A772592CDF}"/>
               </a:ext>
             </a:extLst>
           </p:cNvPr>
@@ -2003,7 +2003,7 @@
           <a:bodyPr/>
           <a:lstStyle/>
           <a:p>
-            <a:fld id="{22F37805-D670-4232-B9F2-9212F54504D9}" type="slidenum">
+            <a:fld id="{1B4341E4-FC71-499B-B8D4-87150F51B8E2}" type="slidenum">
               <a:rPr lang="zh-CN" altLang="en-US" smtClean="0"/>
               <a:t>‹#›</a:t>
             </a:fld>
@@ -2014,7 +2014,7 @@
     </p:spTree>
     <p:extLst>
       <p:ext uri="{BB962C8B-B14F-4D97-AF65-F5344CB8AC3E}">
-        <p14:creationId xmlns:p14="http://schemas.microsoft.com/office/powerpoint/2010/main" val="1122139816"/>
+        <p14:creationId xmlns:p14="http://schemas.microsoft.com/office/powerpoint/2010/main" val="2894928585"/>
       </p:ext>
     </p:extLst>
   </p:cSld>
@@ -2046,7 +2046,7 @@
           <p:cNvPr id="2" name="日期占位符 1">
             <a:extLst>
               <a:ext uri="{FF2B5EF4-FFF2-40B4-BE49-F238E27FC236}">
-                <a16:creationId xmlns:a16="http://schemas.microsoft.com/office/drawing/2014/main" id="{7BA4CA7A-60F7-D80B-7D41-D6C479525B3A}"/>
+                <a16:creationId xmlns:a16="http://schemas.microsoft.com/office/drawing/2014/main" id="{9F15F82D-56FB-31FD-CF2D-3697BC5FB624}"/>
               </a:ext>
             </a:extLst>
           </p:cNvPr>
@@ -2062,7 +2062,7 @@
           <a:bodyPr/>
           <a:lstStyle/>
           <a:p>
-            <a:fld id="{9E34FEC8-9185-41C4-98D2-484301FDFF1D}" type="datetimeFigureOut">
+            <a:fld id="{5C598AA2-E2DE-420F-A88F-09C219BB59EB}" type="datetimeFigureOut">
               <a:rPr lang="zh-CN" altLang="en-US" smtClean="0"/>
               <a:t>2024/3/10</a:t>
             </a:fld>
@@ -2075,7 +2075,7 @@
           <p:cNvPr id="3" name="页脚占位符 2">
             <a:extLst>
               <a:ext uri="{FF2B5EF4-FFF2-40B4-BE49-F238E27FC236}">
-                <a16:creationId xmlns:a16="http://schemas.microsoft.com/office/drawing/2014/main" id="{3CD7BB50-9645-49C9-BF82-4A5A8ADB02B0}"/>
+                <a16:creationId xmlns:a16="http://schemas.microsoft.com/office/drawing/2014/main" id="{1DA2A062-3F06-467E-83BE-72133B961ED1}"/>
               </a:ext>
             </a:extLst>
           </p:cNvPr>
@@ -2100,7 +2100,7 @@
           <p:cNvPr id="4" name="灯片编号占位符 3">
             <a:extLst>
               <a:ext uri="{FF2B5EF4-FFF2-40B4-BE49-F238E27FC236}">
-                <a16:creationId xmlns:a16="http://schemas.microsoft.com/office/drawing/2014/main" id="{EEAC70CC-021F-2E53-D117-78EA7E9E5F51}"/>
+                <a16:creationId xmlns:a16="http://schemas.microsoft.com/office/drawing/2014/main" id="{E3F3BBAA-04D7-328C-B3E5-B28E2A0D7CA6}"/>
               </a:ext>
             </a:extLst>
           </p:cNvPr>
@@ -2116,7 +2116,7 @@
           <a:bodyPr/>
           <a:lstStyle/>
           <a:p>
-            <a:fld id="{22F37805-D670-4232-B9F2-9212F54504D9}" type="slidenum">
+            <a:fld id="{1B4341E4-FC71-499B-B8D4-87150F51B8E2}" type="slidenum">
               <a:rPr lang="zh-CN" altLang="en-US" smtClean="0"/>
               <a:t>‹#›</a:t>
             </a:fld>
@@ -2127,7 +2127,7 @@
     </p:spTree>
     <p:extLst>
       <p:ext uri="{BB962C8B-B14F-4D97-AF65-F5344CB8AC3E}">
-        <p14:creationId xmlns:p14="http://schemas.microsoft.com/office/powerpoint/2010/main" val="3124896174"/>
+        <p14:creationId xmlns:p14="http://schemas.microsoft.com/office/powerpoint/2010/main" val="738720587"/>
       </p:ext>
     </p:extLst>
   </p:cSld>
@@ -2159,7 +2159,7 @@
           <p:cNvPr id="2" name="标题 1">
             <a:extLst>
               <a:ext uri="{FF2B5EF4-FFF2-40B4-BE49-F238E27FC236}">
-                <a16:creationId xmlns:a16="http://schemas.microsoft.com/office/drawing/2014/main" id="{71AA139B-C768-0C4D-2443-EE02DE289393}"/>
+                <a16:creationId xmlns:a16="http://schemas.microsoft.com/office/drawing/2014/main" id="{EB057E94-E5B8-F29B-0EB0-EC25744860EC}"/>
               </a:ext>
             </a:extLst>
           </p:cNvPr>
@@ -2196,7 +2196,7 @@
           <p:cNvPr id="3" name="内容占位符 2">
             <a:extLst>
               <a:ext uri="{FF2B5EF4-FFF2-40B4-BE49-F238E27FC236}">
-                <a16:creationId xmlns:a16="http://schemas.microsoft.com/office/drawing/2014/main" id="{7B5D0976-C308-EAB6-FAA9-33CF8D666897}"/>
+                <a16:creationId xmlns:a16="http://schemas.microsoft.com/office/drawing/2014/main" id="{21B5EEB6-4B3F-F9A8-E60D-5C3280FE5BA9}"/>
               </a:ext>
             </a:extLst>
           </p:cNvPr>
@@ -2286,7 +2286,7 @@
           <p:cNvPr id="4" name="文本占位符 3">
             <a:extLst>
               <a:ext uri="{FF2B5EF4-FFF2-40B4-BE49-F238E27FC236}">
-                <a16:creationId xmlns:a16="http://schemas.microsoft.com/office/drawing/2014/main" id="{39E4FAA9-54A8-D6D6-184A-C435FA2254BA}"/>
+                <a16:creationId xmlns:a16="http://schemas.microsoft.com/office/drawing/2014/main" id="{657359C1-9D32-C516-25E8-2CDEE30FD6FA}"/>
               </a:ext>
             </a:extLst>
           </p:cNvPr>
@@ -2357,7 +2357,7 @@
           <p:cNvPr id="5" name="日期占位符 4">
             <a:extLst>
               <a:ext uri="{FF2B5EF4-FFF2-40B4-BE49-F238E27FC236}">
-                <a16:creationId xmlns:a16="http://schemas.microsoft.com/office/drawing/2014/main" id="{9C60B9AA-D4F5-9516-E4AE-2FE370A7FE80}"/>
+                <a16:creationId xmlns:a16="http://schemas.microsoft.com/office/drawing/2014/main" id="{0CCFD594-65B7-0DD5-57A7-C52974B02A1C}"/>
               </a:ext>
             </a:extLst>
           </p:cNvPr>
@@ -2373,7 +2373,7 @@
           <a:bodyPr/>
           <a:lstStyle/>
           <a:p>
-            <a:fld id="{9E34FEC8-9185-41C4-98D2-484301FDFF1D}" type="datetimeFigureOut">
+            <a:fld id="{5C598AA2-E2DE-420F-A88F-09C219BB59EB}" type="datetimeFigureOut">
               <a:rPr lang="zh-CN" altLang="en-US" smtClean="0"/>
               <a:t>2024/3/10</a:t>
             </a:fld>
@@ -2386,7 +2386,7 @@
           <p:cNvPr id="6" name="页脚占位符 5">
             <a:extLst>
               <a:ext uri="{FF2B5EF4-FFF2-40B4-BE49-F238E27FC236}">
-                <a16:creationId xmlns:a16="http://schemas.microsoft.com/office/drawing/2014/main" id="{8A6EEBCC-BFAA-66C6-9B55-E8B4CB7A6DCD}"/>
+                <a16:creationId xmlns:a16="http://schemas.microsoft.com/office/drawing/2014/main" id="{C36AE8EF-9327-634C-6398-52190B67549B}"/>
               </a:ext>
             </a:extLst>
           </p:cNvPr>
@@ -2411,7 +2411,7 @@
           <p:cNvPr id="7" name="灯片编号占位符 6">
             <a:extLst>
               <a:ext uri="{FF2B5EF4-FFF2-40B4-BE49-F238E27FC236}">
-                <a16:creationId xmlns:a16="http://schemas.microsoft.com/office/drawing/2014/main" id="{8AAA5D40-F94E-326A-9630-CE17FE0297D0}"/>
+                <a16:creationId xmlns:a16="http://schemas.microsoft.com/office/drawing/2014/main" id="{6D622BD8-5662-D5DF-712C-D707958F40A5}"/>
               </a:ext>
             </a:extLst>
           </p:cNvPr>
@@ -2427,7 +2427,7 @@
           <a:bodyPr/>
           <a:lstStyle/>
           <a:p>
-            <a:fld id="{22F37805-D670-4232-B9F2-9212F54504D9}" type="slidenum">
+            <a:fld id="{1B4341E4-FC71-499B-B8D4-87150F51B8E2}" type="slidenum">
               <a:rPr lang="zh-CN" altLang="en-US" smtClean="0"/>
               <a:t>‹#›</a:t>
             </a:fld>
@@ -2438,7 +2438,7 @@
     </p:spTree>
     <p:extLst>
       <p:ext uri="{BB962C8B-B14F-4D97-AF65-F5344CB8AC3E}">
-        <p14:creationId xmlns:p14="http://schemas.microsoft.com/office/powerpoint/2010/main" val="22781849"/>
+        <p14:creationId xmlns:p14="http://schemas.microsoft.com/office/powerpoint/2010/main" val="3206953297"/>
       </p:ext>
     </p:extLst>
   </p:cSld>
@@ -2470,7 +2470,7 @@
           <p:cNvPr id="2" name="标题 1">
             <a:extLst>
               <a:ext uri="{FF2B5EF4-FFF2-40B4-BE49-F238E27FC236}">
-                <a16:creationId xmlns:a16="http://schemas.microsoft.com/office/drawing/2014/main" id="{FD4909F6-30E4-9771-0605-F5EF43908A3E}"/>
+                <a16:creationId xmlns:a16="http://schemas.microsoft.com/office/drawing/2014/main" id="{57B42837-6ACA-F2C7-937B-02E9660E2EE2}"/>
               </a:ext>
             </a:extLst>
           </p:cNvPr>
@@ -2507,7 +2507,7 @@
           <p:cNvPr id="3" name="图片占位符 2">
             <a:extLst>
               <a:ext uri="{FF2B5EF4-FFF2-40B4-BE49-F238E27FC236}">
-                <a16:creationId xmlns:a16="http://schemas.microsoft.com/office/drawing/2014/main" id="{C3DB3491-F750-62FE-6AB9-E376BE5FDFEC}"/>
+                <a16:creationId xmlns:a16="http://schemas.microsoft.com/office/drawing/2014/main" id="{27576758-7241-2791-4D1E-6E95FBB9EE27}"/>
               </a:ext>
             </a:extLst>
           </p:cNvPr>
@@ -2574,7 +2574,7 @@
           <p:cNvPr id="4" name="文本占位符 3">
             <a:extLst>
               <a:ext uri="{FF2B5EF4-FFF2-40B4-BE49-F238E27FC236}">
-                <a16:creationId xmlns:a16="http://schemas.microsoft.com/office/drawing/2014/main" id="{20A3A896-D691-DA53-2110-E43A978B7359}"/>
+                <a16:creationId xmlns:a16="http://schemas.microsoft.com/office/drawing/2014/main" id="{31479986-BD8A-DC83-24EA-58A648AB5FFC}"/>
               </a:ext>
             </a:extLst>
           </p:cNvPr>
@@ -2645,7 +2645,7 @@
           <p:cNvPr id="5" name="日期占位符 4">
             <a:extLst>
               <a:ext uri="{FF2B5EF4-FFF2-40B4-BE49-F238E27FC236}">
-                <a16:creationId xmlns:a16="http://schemas.microsoft.com/office/drawing/2014/main" id="{0563A473-4CDB-70B1-7CD0-A18A6A6DCA56}"/>
+                <a16:creationId xmlns:a16="http://schemas.microsoft.com/office/drawing/2014/main" id="{0600ABEE-904D-29F2-CDF7-BC93B862F7C4}"/>
               </a:ext>
             </a:extLst>
           </p:cNvPr>
@@ -2661,7 +2661,7 @@
           <a:bodyPr/>
           <a:lstStyle/>
           <a:p>
-            <a:fld id="{9E34FEC8-9185-41C4-98D2-484301FDFF1D}" type="datetimeFigureOut">
+            <a:fld id="{5C598AA2-E2DE-420F-A88F-09C219BB59EB}" type="datetimeFigureOut">
               <a:rPr lang="zh-CN" altLang="en-US" smtClean="0"/>
               <a:t>2024/3/10</a:t>
             </a:fld>
@@ -2674,7 +2674,7 @@
           <p:cNvPr id="6" name="页脚占位符 5">
             <a:extLst>
               <a:ext uri="{FF2B5EF4-FFF2-40B4-BE49-F238E27FC236}">
-                <a16:creationId xmlns:a16="http://schemas.microsoft.com/office/drawing/2014/main" id="{CFB0076B-C784-59DE-F270-EEB2CE005017}"/>
+                <a16:creationId xmlns:a16="http://schemas.microsoft.com/office/drawing/2014/main" id="{C4F57B79-751B-5E0A-2709-A5769D9D82DB}"/>
               </a:ext>
             </a:extLst>
           </p:cNvPr>
@@ -2699,7 +2699,7 @@
           <p:cNvPr id="7" name="灯片编号占位符 6">
             <a:extLst>
               <a:ext uri="{FF2B5EF4-FFF2-40B4-BE49-F238E27FC236}">
-                <a16:creationId xmlns:a16="http://schemas.microsoft.com/office/drawing/2014/main" id="{0B9191EF-5BE8-1DCA-34E5-0A12B157BA3A}"/>
+                <a16:creationId xmlns:a16="http://schemas.microsoft.com/office/drawing/2014/main" id="{EA05F35C-0721-BBBC-217D-D9E2654D0155}"/>
               </a:ext>
             </a:extLst>
           </p:cNvPr>
@@ -2715,7 +2715,7 @@
           <a:bodyPr/>
           <a:lstStyle/>
           <a:p>
-            <a:fld id="{22F37805-D670-4232-B9F2-9212F54504D9}" type="slidenum">
+            <a:fld id="{1B4341E4-FC71-499B-B8D4-87150F51B8E2}" type="slidenum">
               <a:rPr lang="zh-CN" altLang="en-US" smtClean="0"/>
               <a:t>‹#›</a:t>
             </a:fld>
@@ -2726,7 +2726,7 @@
     </p:spTree>
     <p:extLst>
       <p:ext uri="{BB962C8B-B14F-4D97-AF65-F5344CB8AC3E}">
-        <p14:creationId xmlns:p14="http://schemas.microsoft.com/office/powerpoint/2010/main" val="2159642497"/>
+        <p14:creationId xmlns:p14="http://schemas.microsoft.com/office/powerpoint/2010/main" val="678021997"/>
       </p:ext>
     </p:extLst>
   </p:cSld>
@@ -2763,7 +2763,7 @@
           <p:cNvPr id="2" name="标题占位符 1">
             <a:extLst>
               <a:ext uri="{FF2B5EF4-FFF2-40B4-BE49-F238E27FC236}">
-                <a16:creationId xmlns:a16="http://schemas.microsoft.com/office/drawing/2014/main" id="{929783E4-9E2B-7224-214B-E9F3A7F956EB}"/>
+                <a16:creationId xmlns:a16="http://schemas.microsoft.com/office/drawing/2014/main" id="{17975226-D5D1-49A1-6EF9-EA3086DFD0AD}"/>
               </a:ext>
             </a:extLst>
           </p:cNvPr>
@@ -2801,7 +2801,7 @@
           <p:cNvPr id="3" name="文本占位符 2">
             <a:extLst>
               <a:ext uri="{FF2B5EF4-FFF2-40B4-BE49-F238E27FC236}">
-                <a16:creationId xmlns:a16="http://schemas.microsoft.com/office/drawing/2014/main" id="{C364190F-CDBF-FC1F-F1EC-9C117A356458}"/>
+                <a16:creationId xmlns:a16="http://schemas.microsoft.com/office/drawing/2014/main" id="{4D641F4F-2C14-05F3-735E-1199A009A28F}"/>
               </a:ext>
             </a:extLst>
           </p:cNvPr>
@@ -2868,7 +2868,7 @@
           <p:cNvPr id="4" name="日期占位符 3">
             <a:extLst>
               <a:ext uri="{FF2B5EF4-FFF2-40B4-BE49-F238E27FC236}">
-                <a16:creationId xmlns:a16="http://schemas.microsoft.com/office/drawing/2014/main" id="{BD2BDB8E-D285-361D-2C6D-5A4ED89EFB90}"/>
+                <a16:creationId xmlns:a16="http://schemas.microsoft.com/office/drawing/2014/main" id="{F6655B5B-402A-C00D-4E11-570D368B0E22}"/>
               </a:ext>
             </a:extLst>
           </p:cNvPr>
@@ -2902,7 +2902,7 @@
             </a:lvl1pPr>
           </a:lstStyle>
           <a:p>
-            <a:fld id="{9E34FEC8-9185-41C4-98D2-484301FDFF1D}" type="datetimeFigureOut">
+            <a:fld id="{5C598AA2-E2DE-420F-A88F-09C219BB59EB}" type="datetimeFigureOut">
               <a:rPr lang="zh-CN" altLang="en-US" smtClean="0"/>
               <a:t>2024/3/10</a:t>
             </a:fld>
@@ -2915,7 +2915,7 @@
           <p:cNvPr id="5" name="页脚占位符 4">
             <a:extLst>
               <a:ext uri="{FF2B5EF4-FFF2-40B4-BE49-F238E27FC236}">
-                <a16:creationId xmlns:a16="http://schemas.microsoft.com/office/drawing/2014/main" id="{18D15EB7-011D-9CE1-482C-D9D3BA9926F7}"/>
+                <a16:creationId xmlns:a16="http://schemas.microsoft.com/office/drawing/2014/main" id="{1DDF81AE-ECB6-C2CB-61EC-0DB40E77D5C9}"/>
               </a:ext>
             </a:extLst>
           </p:cNvPr>
@@ -2958,7 +2958,7 @@
           <p:cNvPr id="6" name="灯片编号占位符 5">
             <a:extLst>
               <a:ext uri="{FF2B5EF4-FFF2-40B4-BE49-F238E27FC236}">
-                <a16:creationId xmlns:a16="http://schemas.microsoft.com/office/drawing/2014/main" id="{8C48740C-015A-1B62-07AB-AFE79AEC71FB}"/>
+                <a16:creationId xmlns:a16="http://schemas.microsoft.com/office/drawing/2014/main" id="{8707931A-8F2E-30AD-AB5E-80DC6E3DF743}"/>
               </a:ext>
             </a:extLst>
           </p:cNvPr>
@@ -2992,7 +2992,7 @@
             </a:lvl1pPr>
           </a:lstStyle>
           <a:p>
-            <a:fld id="{22F37805-D670-4232-B9F2-9212F54504D9}" type="slidenum">
+            <a:fld id="{1B4341E4-FC71-499B-B8D4-87150F51B8E2}" type="slidenum">
               <a:rPr lang="zh-CN" altLang="en-US" smtClean="0"/>
               <a:t>‹#›</a:t>
             </a:fld>
@@ -3003,7 +3003,7 @@
     </p:spTree>
     <p:extLst>
       <p:ext uri="{BB962C8B-B14F-4D97-AF65-F5344CB8AC3E}">
-        <p14:creationId xmlns:p14="http://schemas.microsoft.com/office/powerpoint/2010/main" val="3222684967"/>
+        <p14:creationId xmlns:p14="http://schemas.microsoft.com/office/powerpoint/2010/main" val="1612493242"/>
       </p:ext>
     </p:extLst>
   </p:cSld>
